--- a/schemas.pptx
+++ b/schemas.pptx
@@ -9,6 +9,8 @@
     <p:sldId id="257" r:id="rId3"/>
     <p:sldId id="258" r:id="rId4"/>
     <p:sldId id="259" r:id="rId5"/>
+    <p:sldId id="261" r:id="rId6"/>
+    <p:sldId id="260" r:id="rId7"/>
   </p:sldIdLst>
   <p:sldSz cx="12192000" cy="6858000"/>
   <p:notesSz cx="6858000" cy="9144000"/>
@@ -118,7 +120,7 @@
 <file path=ppt/revisionInfo.xml><?xml version="1.0" encoding="utf-8"?>
 <p1510:revInfo xmlns:a="http://schemas.openxmlformats.org/drawingml/2006/main" xmlns:r="http://schemas.openxmlformats.org/officeDocument/2006/relationships" xmlns:p1510="http://schemas.microsoft.com/office/powerpoint/2015/10/main">
   <p1510:revLst>
-    <p1510:client id="{64C1EEC4-60EC-4466-AEF7-8946458150C5}" v="4" dt="2025-04-01T14:29:49.275"/>
+    <p1510:client id="{35EF3ED7-CFCB-41E9-A253-2246E65B8840}" v="12" dt="2025-06-27T10:28:43.383"/>
   </p1510:revLst>
 </p1510:revInfo>
 </file>
@@ -138,22 +140,6 @@
           <pc:docMk/>
           <pc:sldMk cId="378595089" sldId="256"/>
         </pc:sldMkLst>
-        <pc:spChg chg="mod">
-          <ac:chgData name="DELPUECH Xavier" userId="9f0e3742-4417-4d5f-aa7e-9728a052b886" providerId="ADAL" clId="{5E39B324-C0BD-43CD-A907-4FFBDED9A9DA}" dt="2025-01-21T14:46:14.423" v="38" actId="20577"/>
-          <ac:spMkLst>
-            <pc:docMk/>
-            <pc:sldMk cId="378595089" sldId="256"/>
-            <ac:spMk id="2" creationId="{27EB11B3-CF58-3FE7-0BF6-EA36C7CF592F}"/>
-          </ac:spMkLst>
-        </pc:spChg>
-        <pc:spChg chg="mod">
-          <ac:chgData name="DELPUECH Xavier" userId="9f0e3742-4417-4d5f-aa7e-9728a052b886" providerId="ADAL" clId="{5E39B324-C0BD-43CD-A907-4FFBDED9A9DA}" dt="2025-01-21T14:46:23.921" v="71" actId="20577"/>
-          <ac:spMkLst>
-            <pc:docMk/>
-            <pc:sldMk cId="378595089" sldId="256"/>
-            <ac:spMk id="3" creationId="{3F0D2DE3-F0A0-30A5-188B-EC1B7C58F4B2}"/>
-          </ac:spMkLst>
-        </pc:spChg>
       </pc:sldChg>
       <pc:sldChg chg="addSp modSp new mod">
         <pc:chgData name="DELPUECH Xavier" userId="9f0e3742-4417-4d5f-aa7e-9728a052b886" providerId="ADAL" clId="{5E39B324-C0BD-43CD-A907-4FFBDED9A9DA}" dt="2025-01-21T14:47:41.792" v="142" actId="1076"/>
@@ -161,38 +147,6 @@
           <pc:docMk/>
           <pc:sldMk cId="935802661" sldId="257"/>
         </pc:sldMkLst>
-        <pc:spChg chg="add mod">
-          <ac:chgData name="DELPUECH Xavier" userId="9f0e3742-4417-4d5f-aa7e-9728a052b886" providerId="ADAL" clId="{5E39B324-C0BD-43CD-A907-4FFBDED9A9DA}" dt="2025-01-21T14:46:53.367" v="74" actId="20577"/>
-          <ac:spMkLst>
-            <pc:docMk/>
-            <pc:sldMk cId="935802661" sldId="257"/>
-            <ac:spMk id="4" creationId="{E2C877A5-1842-6296-15CA-8482EC6A99F7}"/>
-          </ac:spMkLst>
-        </pc:spChg>
-        <pc:spChg chg="add mod">
-          <ac:chgData name="DELPUECH Xavier" userId="9f0e3742-4417-4d5f-aa7e-9728a052b886" providerId="ADAL" clId="{5E39B324-C0BD-43CD-A907-4FFBDED9A9DA}" dt="2025-01-21T14:47:00.185" v="78" actId="20577"/>
-          <ac:spMkLst>
-            <pc:docMk/>
-            <pc:sldMk cId="935802661" sldId="257"/>
-            <ac:spMk id="5" creationId="{2443E4A4-6C3E-9E37-466C-C5011A216E74}"/>
-          </ac:spMkLst>
-        </pc:spChg>
-        <pc:spChg chg="add mod">
-          <ac:chgData name="DELPUECH Xavier" userId="9f0e3742-4417-4d5f-aa7e-9728a052b886" providerId="ADAL" clId="{5E39B324-C0BD-43CD-A907-4FFBDED9A9DA}" dt="2025-01-21T14:47:41.792" v="142" actId="1076"/>
-          <ac:spMkLst>
-            <pc:docMk/>
-            <pc:sldMk cId="935802661" sldId="257"/>
-            <ac:spMk id="6" creationId="{6608EF68-469D-F727-EE65-E2D9AACFF4DC}"/>
-          </ac:spMkLst>
-        </pc:spChg>
-        <pc:picChg chg="add mod">
-          <ac:chgData name="DELPUECH Xavier" userId="9f0e3742-4417-4d5f-aa7e-9728a052b886" providerId="ADAL" clId="{5E39B324-C0BD-43CD-A907-4FFBDED9A9DA}" dt="2025-01-21T14:46:31.219" v="72" actId="1076"/>
-          <ac:picMkLst>
-            <pc:docMk/>
-            <pc:sldMk cId="935802661" sldId="257"/>
-            <ac:picMk id="3" creationId="{A5BD143D-B028-6C79-0D47-1F6ADC622FC7}"/>
-          </ac:picMkLst>
-        </pc:picChg>
       </pc:sldChg>
     </pc:docChg>
   </pc:docChgLst>
@@ -209,14 +163,6 @@
           <pc:docMk/>
           <pc:sldMk cId="3210402004" sldId="258"/>
         </pc:sldMkLst>
-        <pc:spChg chg="add del mod">
-          <ac:chgData name="DELPUECH Xavier" userId="9f0e3742-4417-4d5f-aa7e-9728a052b886" providerId="ADAL" clId="{64C1EEC4-60EC-4466-AEF7-8946458150C5}" dt="2025-04-01T14:19:36.353" v="3" actId="478"/>
-          <ac:spMkLst>
-            <pc:docMk/>
-            <pc:sldMk cId="3210402004" sldId="258"/>
-            <ac:spMk id="4" creationId="{07847A3F-1A96-866C-7DC2-F01B6AFF55D7}"/>
-          </ac:spMkLst>
-        </pc:spChg>
         <pc:spChg chg="add mod">
           <ac:chgData name="DELPUECH Xavier" userId="9f0e3742-4417-4d5f-aa7e-9728a052b886" providerId="ADAL" clId="{64C1EEC4-60EC-4466-AEF7-8946458150C5}" dt="2025-04-01T14:19:46.933" v="6" actId="2085"/>
           <ac:spMkLst>
@@ -275,6 +221,132 @@
       </pc:sldChg>
     </pc:docChg>
   </pc:docChgLst>
+  <pc:docChgLst>
+    <pc:chgData name="DELPUECH Xavier" userId="9f0e3742-4417-4d5f-aa7e-9728a052b886" providerId="ADAL" clId="{35EF3ED7-CFCB-41E9-A253-2246E65B8840}"/>
+    <pc:docChg chg="undo custSel addSld modSld">
+      <pc:chgData name="DELPUECH Xavier" userId="9f0e3742-4417-4d5f-aa7e-9728a052b886" providerId="ADAL" clId="{35EF3ED7-CFCB-41E9-A253-2246E65B8840}" dt="2025-06-27T10:29:21.151" v="137" actId="20577"/>
+      <pc:docMkLst>
+        <pc:docMk/>
+      </pc:docMkLst>
+      <pc:sldChg chg="addSp delSp modSp mod">
+        <pc:chgData name="DELPUECH Xavier" userId="9f0e3742-4417-4d5f-aa7e-9728a052b886" providerId="ADAL" clId="{35EF3ED7-CFCB-41E9-A253-2246E65B8840}" dt="2025-06-27T10:29:21.151" v="137" actId="20577"/>
+        <pc:sldMkLst>
+          <pc:docMk/>
+          <pc:sldMk cId="2309818875" sldId="259"/>
+        </pc:sldMkLst>
+        <pc:spChg chg="add mod">
+          <ac:chgData name="DELPUECH Xavier" userId="9f0e3742-4417-4d5f-aa7e-9728a052b886" providerId="ADAL" clId="{35EF3ED7-CFCB-41E9-A253-2246E65B8840}" dt="2025-06-27T10:28:26.595" v="118" actId="122"/>
+          <ac:spMkLst>
+            <pc:docMk/>
+            <pc:sldMk cId="2309818875" sldId="259"/>
+            <ac:spMk id="9" creationId="{A64C6E74-16E1-71D0-A90F-075873FE1C16}"/>
+          </ac:spMkLst>
+        </pc:spChg>
+        <pc:spChg chg="add mod">
+          <ac:chgData name="DELPUECH Xavier" userId="9f0e3742-4417-4d5f-aa7e-9728a052b886" providerId="ADAL" clId="{35EF3ED7-CFCB-41E9-A253-2246E65B8840}" dt="2025-06-27T10:28:55.466" v="129" actId="20577"/>
+          <ac:spMkLst>
+            <pc:docMk/>
+            <pc:sldMk cId="2309818875" sldId="259"/>
+            <ac:spMk id="10" creationId="{DACBFD10-1CDC-5FB6-11C6-A15E37490E01}"/>
+          </ac:spMkLst>
+        </pc:spChg>
+        <pc:spChg chg="add mod">
+          <ac:chgData name="DELPUECH Xavier" userId="9f0e3742-4417-4d5f-aa7e-9728a052b886" providerId="ADAL" clId="{35EF3ED7-CFCB-41E9-A253-2246E65B8840}" dt="2025-06-27T10:29:00.986" v="131" actId="20577"/>
+          <ac:spMkLst>
+            <pc:docMk/>
+            <pc:sldMk cId="2309818875" sldId="259"/>
+            <ac:spMk id="11" creationId="{1E8551B6-B313-B271-40D0-BEC744DA7FA7}"/>
+          </ac:spMkLst>
+        </pc:spChg>
+        <pc:spChg chg="add mod">
+          <ac:chgData name="DELPUECH Xavier" userId="9f0e3742-4417-4d5f-aa7e-9728a052b886" providerId="ADAL" clId="{35EF3ED7-CFCB-41E9-A253-2246E65B8840}" dt="2025-06-27T10:29:21.151" v="137" actId="20577"/>
+          <ac:spMkLst>
+            <pc:docMk/>
+            <pc:sldMk cId="2309818875" sldId="259"/>
+            <ac:spMk id="12" creationId="{9B7CE3DE-357A-B720-0BA9-BA95B8A06DF2}"/>
+          </ac:spMkLst>
+        </pc:spChg>
+        <pc:spChg chg="add mod">
+          <ac:chgData name="DELPUECH Xavier" userId="9f0e3742-4417-4d5f-aa7e-9728a052b886" providerId="ADAL" clId="{35EF3ED7-CFCB-41E9-A253-2246E65B8840}" dt="2025-06-27T10:29:18.516" v="136" actId="20577"/>
+          <ac:spMkLst>
+            <pc:docMk/>
+            <pc:sldMk cId="2309818875" sldId="259"/>
+            <ac:spMk id="13" creationId="{A037859B-CDA3-DDB7-7E35-9D206E4983FE}"/>
+          </ac:spMkLst>
+        </pc:spChg>
+        <pc:picChg chg="add del mod modCrop">
+          <ac:chgData name="DELPUECH Xavier" userId="9f0e3742-4417-4d5f-aa7e-9728a052b886" providerId="ADAL" clId="{35EF3ED7-CFCB-41E9-A253-2246E65B8840}" dt="2025-06-27T10:22:19.549" v="51" actId="14100"/>
+          <ac:picMkLst>
+            <pc:docMk/>
+            <pc:sldMk cId="2309818875" sldId="259"/>
+            <ac:picMk id="3" creationId="{5A51ECFD-A8F8-6CAD-5B7C-562DF8A7B532}"/>
+          </ac:picMkLst>
+        </pc:picChg>
+        <pc:picChg chg="add mod modCrop">
+          <ac:chgData name="DELPUECH Xavier" userId="9f0e3742-4417-4d5f-aa7e-9728a052b886" providerId="ADAL" clId="{35EF3ED7-CFCB-41E9-A253-2246E65B8840}" dt="2025-06-27T10:26:57.823" v="63" actId="732"/>
+          <ac:picMkLst>
+            <pc:docMk/>
+            <pc:sldMk cId="2309818875" sldId="259"/>
+            <ac:picMk id="4" creationId="{715218E5-95DD-44F1-9E04-91BBB023B5F1}"/>
+          </ac:picMkLst>
+        </pc:picChg>
+        <pc:picChg chg="add mod modCrop">
+          <ac:chgData name="DELPUECH Xavier" userId="9f0e3742-4417-4d5f-aa7e-9728a052b886" providerId="ADAL" clId="{35EF3ED7-CFCB-41E9-A253-2246E65B8840}" dt="2025-06-27T10:27:20.544" v="69" actId="1076"/>
+          <ac:picMkLst>
+            <pc:docMk/>
+            <pc:sldMk cId="2309818875" sldId="259"/>
+            <ac:picMk id="5" creationId="{D792ED32-0013-03AE-30C9-D60F9A0CAE88}"/>
+          </ac:picMkLst>
+        </pc:picChg>
+        <pc:picChg chg="add mod modCrop">
+          <ac:chgData name="DELPUECH Xavier" userId="9f0e3742-4417-4d5f-aa7e-9728a052b886" providerId="ADAL" clId="{35EF3ED7-CFCB-41E9-A253-2246E65B8840}" dt="2025-06-27T10:27:57.672" v="78" actId="1076"/>
+          <ac:picMkLst>
+            <pc:docMk/>
+            <pc:sldMk cId="2309818875" sldId="259"/>
+            <ac:picMk id="6" creationId="{B4C75B5A-1D8D-FEF5-ED5E-EE423C6D8A74}"/>
+          </ac:picMkLst>
+        </pc:picChg>
+        <pc:picChg chg="add mod modCrop">
+          <ac:chgData name="DELPUECH Xavier" userId="9f0e3742-4417-4d5f-aa7e-9728a052b886" providerId="ADAL" clId="{35EF3ED7-CFCB-41E9-A253-2246E65B8840}" dt="2025-06-27T10:27:55.041" v="77" actId="1076"/>
+          <ac:picMkLst>
+            <pc:docMk/>
+            <pc:sldMk cId="2309818875" sldId="259"/>
+            <ac:picMk id="7" creationId="{C7766DE6-8B97-0DFF-1CB3-B551E8A144F2}"/>
+          </ac:picMkLst>
+        </pc:picChg>
+        <pc:picChg chg="add del mod modCrop">
+          <ac:chgData name="DELPUECH Xavier" userId="9f0e3742-4417-4d5f-aa7e-9728a052b886" providerId="ADAL" clId="{35EF3ED7-CFCB-41E9-A253-2246E65B8840}" dt="2025-06-27T10:26:33.278" v="57" actId="478"/>
+          <ac:picMkLst>
+            <pc:docMk/>
+            <pc:sldMk cId="2309818875" sldId="259"/>
+            <ac:picMk id="8" creationId="{1702EFA8-77A2-EB93-FAF5-3EF4E03AFDE8}"/>
+          </ac:picMkLst>
+        </pc:picChg>
+      </pc:sldChg>
+      <pc:sldChg chg="add">
+        <pc:chgData name="DELPUECH Xavier" userId="9f0e3742-4417-4d5f-aa7e-9728a052b886" providerId="ADAL" clId="{35EF3ED7-CFCB-41E9-A253-2246E65B8840}" dt="2025-06-27T10:18:56.849" v="13" actId="2890"/>
+        <pc:sldMkLst>
+          <pc:docMk/>
+          <pc:sldMk cId="4129880684" sldId="260"/>
+        </pc:sldMkLst>
+      </pc:sldChg>
+      <pc:sldChg chg="addSp delSp modSp new mod">
+        <pc:chgData name="DELPUECH Xavier" userId="9f0e3742-4417-4d5f-aa7e-9728a052b886" providerId="ADAL" clId="{35EF3ED7-CFCB-41E9-A253-2246E65B8840}" dt="2025-06-27T10:22:02.562" v="47" actId="21"/>
+        <pc:sldMkLst>
+          <pc:docMk/>
+          <pc:sldMk cId="661438755" sldId="261"/>
+        </pc:sldMkLst>
+        <pc:picChg chg="add del mod">
+          <ac:chgData name="DELPUECH Xavier" userId="9f0e3742-4417-4d5f-aa7e-9728a052b886" providerId="ADAL" clId="{35EF3ED7-CFCB-41E9-A253-2246E65B8840}" dt="2025-06-27T10:22:02.562" v="47" actId="21"/>
+          <ac:picMkLst>
+            <pc:docMk/>
+            <pc:sldMk cId="661438755" sldId="261"/>
+            <ac:picMk id="3" creationId="{1702EFA8-77A2-EB93-FAF5-3EF4E03AFDE8}"/>
+          </ac:picMkLst>
+        </pc:picChg>
+      </pc:sldChg>
+    </pc:docChg>
+  </pc:docChgLst>
 </pc:chgInfo>
 </file>
 
@@ -427,7 +499,7 @@
           <a:p>
             <a:fld id="{3E4374D2-65F7-43AA-B518-EF00C563E9DE}" type="datetimeFigureOut">
               <a:rPr lang="en-GB" smtClean="0"/>
-              <a:t>01/04/2025</a:t>
+              <a:t>27/06/2025</a:t>
             </a:fld>
             <a:endParaRPr lang="en-GB"/>
           </a:p>
@@ -627,7 +699,7 @@
           <a:p>
             <a:fld id="{3E4374D2-65F7-43AA-B518-EF00C563E9DE}" type="datetimeFigureOut">
               <a:rPr lang="en-GB" smtClean="0"/>
-              <a:t>01/04/2025</a:t>
+              <a:t>27/06/2025</a:t>
             </a:fld>
             <a:endParaRPr lang="en-GB"/>
           </a:p>
@@ -837,7 +909,7 @@
           <a:p>
             <a:fld id="{3E4374D2-65F7-43AA-B518-EF00C563E9DE}" type="datetimeFigureOut">
               <a:rPr lang="en-GB" smtClean="0"/>
-              <a:t>01/04/2025</a:t>
+              <a:t>27/06/2025</a:t>
             </a:fld>
             <a:endParaRPr lang="en-GB"/>
           </a:p>
@@ -1037,7 +1109,7 @@
           <a:p>
             <a:fld id="{3E4374D2-65F7-43AA-B518-EF00C563E9DE}" type="datetimeFigureOut">
               <a:rPr lang="en-GB" smtClean="0"/>
-              <a:t>01/04/2025</a:t>
+              <a:t>27/06/2025</a:t>
             </a:fld>
             <a:endParaRPr lang="en-GB"/>
           </a:p>
@@ -1313,7 +1385,7 @@
           <a:p>
             <a:fld id="{3E4374D2-65F7-43AA-B518-EF00C563E9DE}" type="datetimeFigureOut">
               <a:rPr lang="en-GB" smtClean="0"/>
-              <a:t>01/04/2025</a:t>
+              <a:t>27/06/2025</a:t>
             </a:fld>
             <a:endParaRPr lang="en-GB"/>
           </a:p>
@@ -1581,7 +1653,7 @@
           <a:p>
             <a:fld id="{3E4374D2-65F7-43AA-B518-EF00C563E9DE}" type="datetimeFigureOut">
               <a:rPr lang="en-GB" smtClean="0"/>
-              <a:t>01/04/2025</a:t>
+              <a:t>27/06/2025</a:t>
             </a:fld>
             <a:endParaRPr lang="en-GB"/>
           </a:p>
@@ -1996,7 +2068,7 @@
           <a:p>
             <a:fld id="{3E4374D2-65F7-43AA-B518-EF00C563E9DE}" type="datetimeFigureOut">
               <a:rPr lang="en-GB" smtClean="0"/>
-              <a:t>01/04/2025</a:t>
+              <a:t>27/06/2025</a:t>
             </a:fld>
             <a:endParaRPr lang="en-GB"/>
           </a:p>
@@ -2138,7 +2210,7 @@
           <a:p>
             <a:fld id="{3E4374D2-65F7-43AA-B518-EF00C563E9DE}" type="datetimeFigureOut">
               <a:rPr lang="en-GB" smtClean="0"/>
-              <a:t>01/04/2025</a:t>
+              <a:t>27/06/2025</a:t>
             </a:fld>
             <a:endParaRPr lang="en-GB"/>
           </a:p>
@@ -2251,7 +2323,7 @@
           <a:p>
             <a:fld id="{3E4374D2-65F7-43AA-B518-EF00C563E9DE}" type="datetimeFigureOut">
               <a:rPr lang="en-GB" smtClean="0"/>
-              <a:t>01/04/2025</a:t>
+              <a:t>27/06/2025</a:t>
             </a:fld>
             <a:endParaRPr lang="en-GB"/>
           </a:p>
@@ -2564,7 +2636,7 @@
           <a:p>
             <a:fld id="{3E4374D2-65F7-43AA-B518-EF00C563E9DE}" type="datetimeFigureOut">
               <a:rPr lang="en-GB" smtClean="0"/>
-              <a:t>01/04/2025</a:t>
+              <a:t>27/06/2025</a:t>
             </a:fld>
             <a:endParaRPr lang="en-GB"/>
           </a:p>
@@ -2853,7 +2925,7 @@
           <a:p>
             <a:fld id="{3E4374D2-65F7-43AA-B518-EF00C563E9DE}" type="datetimeFigureOut">
               <a:rPr lang="en-GB" smtClean="0"/>
-              <a:t>01/04/2025</a:t>
+              <a:t>27/06/2025</a:t>
             </a:fld>
             <a:endParaRPr lang="en-GB"/>
           </a:p>
@@ -3096,7 +3168,7 @@
           <a:p>
             <a:fld id="{3E4374D2-65F7-43AA-B518-EF00C563E9DE}" type="datetimeFigureOut">
               <a:rPr lang="en-GB" smtClean="0"/>
-              <a:t>01/04/2025</a:t>
+              <a:t>27/06/2025</a:t>
             </a:fld>
             <a:endParaRPr lang="en-GB"/>
           </a:p>
@@ -4083,10 +4155,477 @@
           <a:chExt cx="0" cy="0"/>
         </a:xfrm>
       </p:grpSpPr>
+      <p:pic>
+        <p:nvPicPr>
+          <p:cNvPr id="3" name="Image 2" descr="Une image contenant feuille, Feuilles de vigne, plein air, automne&#10;&#10;Le contenu généré par l’IA peut être incorrect.">
+            <a:extLst>
+              <a:ext uri="{FF2B5EF4-FFF2-40B4-BE49-F238E27FC236}">
+                <a16:creationId xmlns:a16="http://schemas.microsoft.com/office/drawing/2014/main" id="{5A51ECFD-A8F8-6CAD-5B7C-562DF8A7B532}"/>
+              </a:ext>
+            </a:extLst>
+          </p:cNvPr>
+          <p:cNvPicPr>
+            <a:picLocks noChangeAspect="1"/>
+          </p:cNvPicPr>
+          <p:nvPr/>
+        </p:nvPicPr>
+        <p:blipFill>
+          <a:blip r:embed="rId2">
+            <a:extLst>
+              <a:ext uri="{28A0092B-C50C-407E-A947-70E740481C1C}">
+                <a14:useLocalDpi xmlns:a14="http://schemas.microsoft.com/office/drawing/2010/main" val="0"/>
+              </a:ext>
+            </a:extLst>
+          </a:blip>
+          <a:srcRect l="6587" t="7734" r="69336" b="58000"/>
+          <a:stretch>
+            <a:fillRect/>
+          </a:stretch>
+        </p:blipFill>
+        <p:spPr>
+          <a:xfrm>
+            <a:off x="566928" y="393191"/>
+            <a:ext cx="2915102" cy="2619515"/>
+          </a:xfrm>
+          <a:prstGeom prst="rect">
+            <a:avLst/>
+          </a:prstGeom>
+        </p:spPr>
+      </p:pic>
+      <p:pic>
+        <p:nvPicPr>
+          <p:cNvPr id="4" name="Image 3" descr="Une image contenant feuille, Feuilles de vigne, plein air, automne&#10;&#10;Le contenu généré par l’IA peut être incorrect.">
+            <a:extLst>
+              <a:ext uri="{FF2B5EF4-FFF2-40B4-BE49-F238E27FC236}">
+                <a16:creationId xmlns:a16="http://schemas.microsoft.com/office/drawing/2014/main" id="{715218E5-95DD-44F1-9E04-91BBB023B5F1}"/>
+              </a:ext>
+            </a:extLst>
+          </p:cNvPr>
+          <p:cNvPicPr>
+            <a:picLocks noChangeAspect="1"/>
+          </p:cNvPicPr>
+          <p:nvPr/>
+        </p:nvPicPr>
+        <p:blipFill>
+          <a:blip r:embed="rId2">
+            <a:extLst>
+              <a:ext uri="{28A0092B-C50C-407E-A947-70E740481C1C}">
+                <a14:useLocalDpi xmlns:a14="http://schemas.microsoft.com/office/drawing/2010/main" val="0"/>
+              </a:ext>
+            </a:extLst>
+          </a:blip>
+          <a:srcRect l="36855" t="4328" r="35496" b="57475"/>
+          <a:stretch>
+            <a:fillRect/>
+          </a:stretch>
+        </p:blipFill>
+        <p:spPr>
+          <a:xfrm>
+            <a:off x="3580600" y="393191"/>
+            <a:ext cx="3003082" cy="2619516"/>
+          </a:xfrm>
+          <a:prstGeom prst="rect">
+            <a:avLst/>
+          </a:prstGeom>
+        </p:spPr>
+      </p:pic>
+      <p:pic>
+        <p:nvPicPr>
+          <p:cNvPr id="5" name="Image 4" descr="Une image contenant feuille, Feuilles de vigne, plein air, automne&#10;&#10;Le contenu généré par l’IA peut être incorrect.">
+            <a:extLst>
+              <a:ext uri="{FF2B5EF4-FFF2-40B4-BE49-F238E27FC236}">
+                <a16:creationId xmlns:a16="http://schemas.microsoft.com/office/drawing/2014/main" id="{D792ED32-0013-03AE-30C9-D60F9A0CAE88}"/>
+              </a:ext>
+            </a:extLst>
+          </p:cNvPr>
+          <p:cNvPicPr>
+            <a:picLocks noChangeAspect="1"/>
+          </p:cNvPicPr>
+          <p:nvPr/>
+        </p:nvPicPr>
+        <p:blipFill>
+          <a:blip r:embed="rId2">
+            <a:extLst>
+              <a:ext uri="{28A0092B-C50C-407E-A947-70E740481C1C}">
+                <a14:useLocalDpi xmlns:a14="http://schemas.microsoft.com/office/drawing/2010/main" val="0"/>
+              </a:ext>
+            </a:extLst>
+          </a:blip>
+          <a:srcRect l="5422" t="53754" r="70500" b="11979"/>
+          <a:stretch>
+            <a:fillRect/>
+          </a:stretch>
+        </p:blipFill>
+        <p:spPr>
+          <a:xfrm>
+            <a:off x="6682252" y="393192"/>
+            <a:ext cx="2915101" cy="2619514"/>
+          </a:xfrm>
+          <a:prstGeom prst="rect">
+            <a:avLst/>
+          </a:prstGeom>
+        </p:spPr>
+      </p:pic>
+      <p:pic>
+        <p:nvPicPr>
+          <p:cNvPr id="6" name="Image 5" descr="Une image contenant feuille, Feuilles de vigne, plein air, automne&#10;&#10;Le contenu généré par l’IA peut être incorrect.">
+            <a:extLst>
+              <a:ext uri="{FF2B5EF4-FFF2-40B4-BE49-F238E27FC236}">
+                <a16:creationId xmlns:a16="http://schemas.microsoft.com/office/drawing/2014/main" id="{B4C75B5A-1D8D-FEF5-ED5E-EE423C6D8A74}"/>
+              </a:ext>
+            </a:extLst>
+          </p:cNvPr>
+          <p:cNvPicPr>
+            <a:picLocks noChangeAspect="1"/>
+          </p:cNvPicPr>
+          <p:nvPr/>
+        </p:nvPicPr>
+        <p:blipFill>
+          <a:blip r:embed="rId2">
+            <a:extLst>
+              <a:ext uri="{28A0092B-C50C-407E-A947-70E740481C1C}">
+                <a14:useLocalDpi xmlns:a14="http://schemas.microsoft.com/office/drawing/2010/main" val="0"/>
+              </a:ext>
+            </a:extLst>
+          </a:blip>
+          <a:srcRect l="36058" t="53173" r="37357" b="8631"/>
+          <a:stretch>
+            <a:fillRect/>
+          </a:stretch>
+        </p:blipFill>
+        <p:spPr>
+          <a:xfrm>
+            <a:off x="1952966" y="3609471"/>
+            <a:ext cx="2887579" cy="2619515"/>
+          </a:xfrm>
+          <a:prstGeom prst="rect">
+            <a:avLst/>
+          </a:prstGeom>
+        </p:spPr>
+      </p:pic>
+      <p:pic>
+        <p:nvPicPr>
+          <p:cNvPr id="7" name="Image 6" descr="Une image contenant feuille, Feuilles de vigne, plein air, automne&#10;&#10;Le contenu généré par l’IA peut être incorrect.">
+            <a:extLst>
+              <a:ext uri="{FF2B5EF4-FFF2-40B4-BE49-F238E27FC236}">
+                <a16:creationId xmlns:a16="http://schemas.microsoft.com/office/drawing/2014/main" id="{C7766DE6-8B97-0DFF-1CB3-B551E8A144F2}"/>
+              </a:ext>
+            </a:extLst>
+          </p:cNvPr>
+          <p:cNvPicPr>
+            <a:picLocks noChangeAspect="1"/>
+          </p:cNvPicPr>
+          <p:nvPr/>
+        </p:nvPicPr>
+        <p:blipFill>
+          <a:blip r:embed="rId2">
+            <a:extLst>
+              <a:ext uri="{28A0092B-C50C-407E-A947-70E740481C1C}">
+                <a14:useLocalDpi xmlns:a14="http://schemas.microsoft.com/office/drawing/2010/main" val="0"/>
+              </a:ext>
+            </a:extLst>
+          </a:blip>
+          <a:srcRect l="70888" t="53474" r="2640" b="9955"/>
+          <a:stretch>
+            <a:fillRect/>
+          </a:stretch>
+        </p:blipFill>
+        <p:spPr>
+          <a:xfrm>
+            <a:off x="5257713" y="3609472"/>
+            <a:ext cx="3003082" cy="2619515"/>
+          </a:xfrm>
+          <a:prstGeom prst="rect">
+            <a:avLst/>
+          </a:prstGeom>
+        </p:spPr>
+      </p:pic>
+      <p:sp>
+        <p:nvSpPr>
+          <p:cNvPr id="9" name="ZoneTexte 8">
+            <a:extLst>
+              <a:ext uri="{FF2B5EF4-FFF2-40B4-BE49-F238E27FC236}">
+                <a16:creationId xmlns:a16="http://schemas.microsoft.com/office/drawing/2014/main" id="{A64C6E74-16E1-71D0-A90F-075873FE1C16}"/>
+              </a:ext>
+            </a:extLst>
+          </p:cNvPr>
+          <p:cNvSpPr txBox="1"/>
+          <p:nvPr/>
+        </p:nvSpPr>
+        <p:spPr>
+          <a:xfrm>
+            <a:off x="566928" y="3012706"/>
+            <a:ext cx="2887579" cy="369332"/>
+          </a:xfrm>
+          <a:prstGeom prst="rect">
+            <a:avLst/>
+          </a:prstGeom>
+          <a:noFill/>
+        </p:spPr>
+        <p:txBody>
+          <a:bodyPr wrap="square" rtlCol="0">
+            <a:spAutoFit/>
+          </a:bodyPr>
+          <a:lstStyle/>
+          <a:p>
+            <a:pPr algn="ctr"/>
+            <a:r>
+              <a:rPr lang="fr-FR" dirty="0"/>
+              <a:t>OIV 9 (Pouget 0)</a:t>
+            </a:r>
+          </a:p>
+        </p:txBody>
+      </p:sp>
+      <p:sp>
+        <p:nvSpPr>
+          <p:cNvPr id="10" name="ZoneTexte 9">
+            <a:extLst>
+              <a:ext uri="{FF2B5EF4-FFF2-40B4-BE49-F238E27FC236}">
+                <a16:creationId xmlns:a16="http://schemas.microsoft.com/office/drawing/2014/main" id="{DACBFD10-1CDC-5FB6-11C6-A15E37490E01}"/>
+              </a:ext>
+            </a:extLst>
+          </p:cNvPr>
+          <p:cNvSpPr txBox="1"/>
+          <p:nvPr/>
+        </p:nvSpPr>
+        <p:spPr>
+          <a:xfrm>
+            <a:off x="3553077" y="2980440"/>
+            <a:ext cx="2887579" cy="369332"/>
+          </a:xfrm>
+          <a:prstGeom prst="rect">
+            <a:avLst/>
+          </a:prstGeom>
+          <a:noFill/>
+        </p:spPr>
+        <p:txBody>
+          <a:bodyPr wrap="square" rtlCol="0">
+            <a:spAutoFit/>
+          </a:bodyPr>
+          <a:lstStyle/>
+          <a:p>
+            <a:pPr algn="ctr"/>
+            <a:r>
+              <a:rPr lang="fr-FR" dirty="0"/>
+              <a:t>OIV 7 (Pouget 2)</a:t>
+            </a:r>
+          </a:p>
+        </p:txBody>
+      </p:sp>
+      <p:sp>
+        <p:nvSpPr>
+          <p:cNvPr id="11" name="ZoneTexte 10">
+            <a:extLst>
+              <a:ext uri="{FF2B5EF4-FFF2-40B4-BE49-F238E27FC236}">
+                <a16:creationId xmlns:a16="http://schemas.microsoft.com/office/drawing/2014/main" id="{1E8551B6-B313-B271-40D0-BEC744DA7FA7}"/>
+              </a:ext>
+            </a:extLst>
+          </p:cNvPr>
+          <p:cNvSpPr txBox="1"/>
+          <p:nvPr/>
+        </p:nvSpPr>
+        <p:spPr>
+          <a:xfrm>
+            <a:off x="6682252" y="3012706"/>
+            <a:ext cx="2887579" cy="369332"/>
+          </a:xfrm>
+          <a:prstGeom prst="rect">
+            <a:avLst/>
+          </a:prstGeom>
+          <a:noFill/>
+        </p:spPr>
+        <p:txBody>
+          <a:bodyPr wrap="square" rtlCol="0">
+            <a:spAutoFit/>
+          </a:bodyPr>
+          <a:lstStyle/>
+          <a:p>
+            <a:pPr algn="ctr"/>
+            <a:r>
+              <a:rPr lang="fr-FR" dirty="0"/>
+              <a:t>OIV 5 (Pouget 3)</a:t>
+            </a:r>
+          </a:p>
+        </p:txBody>
+      </p:sp>
+      <p:sp>
+        <p:nvSpPr>
+          <p:cNvPr id="12" name="ZoneTexte 11">
+            <a:extLst>
+              <a:ext uri="{FF2B5EF4-FFF2-40B4-BE49-F238E27FC236}">
+                <a16:creationId xmlns:a16="http://schemas.microsoft.com/office/drawing/2014/main" id="{9B7CE3DE-357A-B720-0BA9-BA95B8A06DF2}"/>
+              </a:ext>
+            </a:extLst>
+          </p:cNvPr>
+          <p:cNvSpPr txBox="1"/>
+          <p:nvPr/>
+        </p:nvSpPr>
+        <p:spPr>
+          <a:xfrm>
+            <a:off x="2038240" y="6228986"/>
+            <a:ext cx="2887579" cy="369332"/>
+          </a:xfrm>
+          <a:prstGeom prst="rect">
+            <a:avLst/>
+          </a:prstGeom>
+          <a:noFill/>
+        </p:spPr>
+        <p:txBody>
+          <a:bodyPr wrap="square" rtlCol="0">
+            <a:spAutoFit/>
+          </a:bodyPr>
+          <a:lstStyle/>
+          <a:p>
+            <a:pPr algn="ctr"/>
+            <a:r>
+              <a:rPr lang="fr-FR" dirty="0"/>
+              <a:t>OIV 3 (Pouget 4)</a:t>
+            </a:r>
+          </a:p>
+        </p:txBody>
+      </p:sp>
+      <p:sp>
+        <p:nvSpPr>
+          <p:cNvPr id="13" name="ZoneTexte 12">
+            <a:extLst>
+              <a:ext uri="{FF2B5EF4-FFF2-40B4-BE49-F238E27FC236}">
+                <a16:creationId xmlns:a16="http://schemas.microsoft.com/office/drawing/2014/main" id="{A037859B-CDA3-DDB7-7E35-9D206E4983FE}"/>
+              </a:ext>
+            </a:extLst>
+          </p:cNvPr>
+          <p:cNvSpPr txBox="1"/>
+          <p:nvPr/>
+        </p:nvSpPr>
+        <p:spPr>
+          <a:xfrm>
+            <a:off x="5404979" y="6271755"/>
+            <a:ext cx="2887579" cy="369332"/>
+          </a:xfrm>
+          <a:prstGeom prst="rect">
+            <a:avLst/>
+          </a:prstGeom>
+          <a:noFill/>
+        </p:spPr>
+        <p:txBody>
+          <a:bodyPr wrap="square" rtlCol="0">
+            <a:spAutoFit/>
+          </a:bodyPr>
+          <a:lstStyle/>
+          <a:p>
+            <a:pPr algn="ctr"/>
+            <a:r>
+              <a:rPr lang="fr-FR" dirty="0"/>
+              <a:t>OIV 1 (Pouget 5)</a:t>
+            </a:r>
+          </a:p>
+        </p:txBody>
+      </p:sp>
     </p:spTree>
     <p:extLst>
       <p:ext uri="{BB962C8B-B14F-4D97-AF65-F5344CB8AC3E}">
         <p14:creationId xmlns:p14="http://schemas.microsoft.com/office/powerpoint/2010/main" val="2309818875"/>
+      </p:ext>
+    </p:extLst>
+  </p:cSld>
+  <p:clrMapOvr>
+    <a:masterClrMapping/>
+  </p:clrMapOvr>
+</p:sld>
+</file>
+
+<file path=ppt/slides/slide5.xml><?xml version="1.0" encoding="utf-8"?>
+<p:sld xmlns:a="http://schemas.openxmlformats.org/drawingml/2006/main" xmlns:r="http://schemas.openxmlformats.org/officeDocument/2006/relationships" xmlns:p="http://schemas.openxmlformats.org/presentationml/2006/main">
+  <p:cSld>
+    <p:spTree>
+      <p:nvGrpSpPr>
+        <p:cNvPr id="1" name=""/>
+        <p:cNvGrpSpPr/>
+        <p:nvPr/>
+      </p:nvGrpSpPr>
+      <p:grpSpPr>
+        <a:xfrm>
+          <a:off x="0" y="0"/>
+          <a:ext cx="0" cy="0"/>
+          <a:chOff x="0" y="0"/>
+          <a:chExt cx="0" cy="0"/>
+        </a:xfrm>
+      </p:grpSpPr>
+    </p:spTree>
+    <p:extLst>
+      <p:ext uri="{BB962C8B-B14F-4D97-AF65-F5344CB8AC3E}">
+        <p14:creationId xmlns:p14="http://schemas.microsoft.com/office/powerpoint/2010/main" val="661438755"/>
+      </p:ext>
+    </p:extLst>
+  </p:cSld>
+  <p:clrMapOvr>
+    <a:masterClrMapping/>
+  </p:clrMapOvr>
+</p:sld>
+</file>
+
+<file path=ppt/slides/slide6.xml><?xml version="1.0" encoding="utf-8"?>
+<p:sld xmlns:a="http://schemas.openxmlformats.org/drawingml/2006/main" xmlns:r="http://schemas.openxmlformats.org/officeDocument/2006/relationships" xmlns:p="http://schemas.openxmlformats.org/presentationml/2006/main">
+  <p:cSld>
+    <p:spTree>
+      <p:nvGrpSpPr>
+        <p:cNvPr id="1" name="">
+          <a:extLst>
+            <a:ext uri="{FF2B5EF4-FFF2-40B4-BE49-F238E27FC236}">
+              <a16:creationId xmlns:a16="http://schemas.microsoft.com/office/drawing/2014/main" id="{4778A2D4-C18E-F044-1BCE-920FC2B8B5A5}"/>
+            </a:ext>
+          </a:extLst>
+        </p:cNvPr>
+        <p:cNvGrpSpPr/>
+        <p:nvPr/>
+      </p:nvGrpSpPr>
+      <p:grpSpPr>
+        <a:xfrm>
+          <a:off x="0" y="0"/>
+          <a:ext cx="0" cy="0"/>
+          <a:chOff x="0" y="0"/>
+          <a:chExt cx="0" cy="0"/>
+        </a:xfrm>
+      </p:grpSpPr>
+      <p:pic>
+        <p:nvPicPr>
+          <p:cNvPr id="3" name="Image 2" descr="Une image contenant feuille, Feuilles de vigne, plein air, automne&#10;&#10;Le contenu généré par l’IA peut être incorrect.">
+            <a:extLst>
+              <a:ext uri="{FF2B5EF4-FFF2-40B4-BE49-F238E27FC236}">
+                <a16:creationId xmlns:a16="http://schemas.microsoft.com/office/drawing/2014/main" id="{F982251D-4164-3A33-1F33-4EBC0EFB6578}"/>
+              </a:ext>
+            </a:extLst>
+          </p:cNvPr>
+          <p:cNvPicPr>
+            <a:picLocks noChangeAspect="1"/>
+          </p:cNvPicPr>
+          <p:nvPr/>
+        </p:nvPicPr>
+        <p:blipFill>
+          <a:blip r:embed="rId2">
+            <a:extLst>
+              <a:ext uri="{28A0092B-C50C-407E-A947-70E740481C1C}">
+                <a14:useLocalDpi xmlns:a14="http://schemas.microsoft.com/office/drawing/2010/main" val="0"/>
+              </a:ext>
+            </a:extLst>
+          </a:blip>
+          <a:stretch>
+            <a:fillRect/>
+          </a:stretch>
+        </p:blipFill>
+        <p:spPr>
+          <a:xfrm>
+            <a:off x="665205" y="0"/>
+            <a:ext cx="10861589" cy="6858000"/>
+          </a:xfrm>
+          <a:prstGeom prst="rect">
+            <a:avLst/>
+          </a:prstGeom>
+        </p:spPr>
+      </p:pic>
+    </p:spTree>
+    <p:extLst>
+      <p:ext uri="{BB962C8B-B14F-4D97-AF65-F5344CB8AC3E}">
+        <p14:creationId xmlns:p14="http://schemas.microsoft.com/office/powerpoint/2010/main" val="4129880684"/>
       </p:ext>
     </p:extLst>
   </p:cSld>
